--- a/PPTs/494-目标和.pptx
+++ b/PPTs/494-目标和.pptx
@@ -155,10 +155,9 @@
           </a:lstStyle>
           <a:p>
             <a:r>
-              <a:rPr lang="zh-CN" altLang="en-US" smtClean="0"/>
+              <a:rPr lang="zh-CN" altLang="en-US"/>
               <a:t>单击此处编辑母版标题样式</a:t>
             </a:r>
-            <a:endParaRPr lang="zh-CN" altLang="en-US"/>
           </a:p>
         </p:txBody>
       </p:sp>
@@ -220,10 +219,9 @@
           </a:lstStyle>
           <a:p>
             <a:r>
-              <a:rPr lang="zh-CN" altLang="en-US" smtClean="0"/>
+              <a:rPr lang="zh-CN" altLang="en-US"/>
               <a:t>单击此处编辑母版副标题样式</a:t>
             </a:r>
-            <a:endParaRPr lang="zh-CN" altLang="en-US"/>
           </a:p>
         </p:txBody>
       </p:sp>
@@ -338,10 +336,9 @@
           <a:lstStyle/>
           <a:p>
             <a:r>
-              <a:rPr lang="zh-CN" altLang="en-US" smtClean="0"/>
+              <a:rPr lang="zh-CN" altLang="en-US"/>
               <a:t>单击此处编辑母版标题样式</a:t>
             </a:r>
-            <a:endParaRPr lang="zh-CN" altLang="en-US"/>
           </a:p>
         </p:txBody>
       </p:sp>
@@ -362,38 +359,37 @@
           <a:p>
             <a:pPr lvl="0"/>
             <a:r>
-              <a:rPr lang="zh-CN" altLang="en-US" smtClean="0"/>
+              <a:rPr lang="zh-CN" altLang="en-US"/>
               <a:t>单击此处编辑母版文本样式</a:t>
             </a:r>
           </a:p>
           <a:p>
             <a:pPr lvl="1"/>
             <a:r>
-              <a:rPr lang="zh-CN" altLang="en-US" smtClean="0"/>
+              <a:rPr lang="zh-CN" altLang="en-US"/>
               <a:t>第二级</a:t>
             </a:r>
           </a:p>
           <a:p>
             <a:pPr lvl="2"/>
             <a:r>
-              <a:rPr lang="zh-CN" altLang="en-US" smtClean="0"/>
+              <a:rPr lang="zh-CN" altLang="en-US"/>
               <a:t>第三级</a:t>
             </a:r>
           </a:p>
           <a:p>
             <a:pPr lvl="3"/>
             <a:r>
-              <a:rPr lang="zh-CN" altLang="en-US" smtClean="0"/>
+              <a:rPr lang="zh-CN" altLang="en-US"/>
               <a:t>第四级</a:t>
             </a:r>
           </a:p>
           <a:p>
             <a:pPr lvl="4"/>
             <a:r>
-              <a:rPr lang="zh-CN" altLang="en-US" smtClean="0"/>
+              <a:rPr lang="zh-CN" altLang="en-US"/>
               <a:t>第五级</a:t>
             </a:r>
-            <a:endParaRPr lang="zh-CN" altLang="en-US"/>
           </a:p>
         </p:txBody>
       </p:sp>
@@ -513,10 +509,9 @@
           <a:lstStyle/>
           <a:p>
             <a:r>
-              <a:rPr lang="zh-CN" altLang="en-US" smtClean="0"/>
+              <a:rPr lang="zh-CN" altLang="en-US"/>
               <a:t>单击此处编辑母版标题样式</a:t>
             </a:r>
-            <a:endParaRPr lang="zh-CN" altLang="en-US"/>
           </a:p>
         </p:txBody>
       </p:sp>
@@ -542,38 +537,37 @@
           <a:p>
             <a:pPr lvl="0"/>
             <a:r>
-              <a:rPr lang="zh-CN" altLang="en-US" smtClean="0"/>
+              <a:rPr lang="zh-CN" altLang="en-US"/>
               <a:t>单击此处编辑母版文本样式</a:t>
             </a:r>
           </a:p>
           <a:p>
             <a:pPr lvl="1"/>
             <a:r>
-              <a:rPr lang="zh-CN" altLang="en-US" smtClean="0"/>
+              <a:rPr lang="zh-CN" altLang="en-US"/>
               <a:t>第二级</a:t>
             </a:r>
           </a:p>
           <a:p>
             <a:pPr lvl="2"/>
             <a:r>
-              <a:rPr lang="zh-CN" altLang="en-US" smtClean="0"/>
+              <a:rPr lang="zh-CN" altLang="en-US"/>
               <a:t>第三级</a:t>
             </a:r>
           </a:p>
           <a:p>
             <a:pPr lvl="3"/>
             <a:r>
-              <a:rPr lang="zh-CN" altLang="en-US" smtClean="0"/>
+              <a:rPr lang="zh-CN" altLang="en-US"/>
               <a:t>第四级</a:t>
             </a:r>
           </a:p>
           <a:p>
             <a:pPr lvl="4"/>
             <a:r>
-              <a:rPr lang="zh-CN" altLang="en-US" smtClean="0"/>
+              <a:rPr lang="zh-CN" altLang="en-US"/>
               <a:t>第五级</a:t>
             </a:r>
-            <a:endParaRPr lang="zh-CN" altLang="en-US"/>
           </a:p>
         </p:txBody>
       </p:sp>
@@ -688,10 +682,9 @@
           <a:lstStyle/>
           <a:p>
             <a:r>
-              <a:rPr lang="zh-CN" altLang="en-US" smtClean="0"/>
+              <a:rPr lang="zh-CN" altLang="en-US"/>
               <a:t>单击此处编辑母版标题样式</a:t>
             </a:r>
-            <a:endParaRPr lang="zh-CN" altLang="en-US"/>
           </a:p>
         </p:txBody>
       </p:sp>
@@ -712,38 +705,37 @@
           <a:p>
             <a:pPr lvl="0"/>
             <a:r>
-              <a:rPr lang="zh-CN" altLang="en-US" smtClean="0"/>
+              <a:rPr lang="zh-CN" altLang="en-US"/>
               <a:t>单击此处编辑母版文本样式</a:t>
             </a:r>
           </a:p>
           <a:p>
             <a:pPr lvl="1"/>
             <a:r>
-              <a:rPr lang="zh-CN" altLang="en-US" smtClean="0"/>
+              <a:rPr lang="zh-CN" altLang="en-US"/>
               <a:t>第二级</a:t>
             </a:r>
           </a:p>
           <a:p>
             <a:pPr lvl="2"/>
             <a:r>
-              <a:rPr lang="zh-CN" altLang="en-US" smtClean="0"/>
+              <a:rPr lang="zh-CN" altLang="en-US"/>
               <a:t>第三级</a:t>
             </a:r>
           </a:p>
           <a:p>
             <a:pPr lvl="3"/>
             <a:r>
-              <a:rPr lang="zh-CN" altLang="en-US" smtClean="0"/>
+              <a:rPr lang="zh-CN" altLang="en-US"/>
               <a:t>第四级</a:t>
             </a:r>
           </a:p>
           <a:p>
             <a:pPr lvl="4"/>
             <a:r>
-              <a:rPr lang="zh-CN" altLang="en-US" smtClean="0"/>
+              <a:rPr lang="zh-CN" altLang="en-US"/>
               <a:t>第五级</a:t>
             </a:r>
-            <a:endParaRPr lang="zh-CN" altLang="en-US"/>
           </a:p>
         </p:txBody>
       </p:sp>
@@ -867,10 +859,9 @@
           </a:lstStyle>
           <a:p>
             <a:r>
-              <a:rPr lang="zh-CN" altLang="en-US" smtClean="0"/>
+              <a:rPr lang="zh-CN" altLang="en-US"/>
               <a:t>单击此处编辑母版标题样式</a:t>
             </a:r>
-            <a:endParaRPr lang="zh-CN" altLang="en-US"/>
           </a:p>
         </p:txBody>
       </p:sp>
@@ -987,7 +978,7 @@
           <a:p>
             <a:pPr lvl="0"/>
             <a:r>
-              <a:rPr lang="zh-CN" altLang="en-US" smtClean="0"/>
+              <a:rPr lang="zh-CN" altLang="en-US"/>
               <a:t>单击此处编辑母版文本样式</a:t>
             </a:r>
           </a:p>
@@ -1104,10 +1095,9 @@
           <a:lstStyle/>
           <a:p>
             <a:r>
-              <a:rPr lang="zh-CN" altLang="en-US" smtClean="0"/>
+              <a:rPr lang="zh-CN" altLang="en-US"/>
               <a:t>单击此处编辑母版标题样式</a:t>
             </a:r>
-            <a:endParaRPr lang="zh-CN" altLang="en-US"/>
           </a:p>
         </p:txBody>
       </p:sp>
@@ -1133,38 +1123,37 @@
           <a:p>
             <a:pPr lvl="0"/>
             <a:r>
-              <a:rPr lang="zh-CN" altLang="en-US" smtClean="0"/>
+              <a:rPr lang="zh-CN" altLang="en-US"/>
               <a:t>单击此处编辑母版文本样式</a:t>
             </a:r>
           </a:p>
           <a:p>
             <a:pPr lvl="1"/>
             <a:r>
-              <a:rPr lang="zh-CN" altLang="en-US" smtClean="0"/>
+              <a:rPr lang="zh-CN" altLang="en-US"/>
               <a:t>第二级</a:t>
             </a:r>
           </a:p>
           <a:p>
             <a:pPr lvl="2"/>
             <a:r>
-              <a:rPr lang="zh-CN" altLang="en-US" smtClean="0"/>
+              <a:rPr lang="zh-CN" altLang="en-US"/>
               <a:t>第三级</a:t>
             </a:r>
           </a:p>
           <a:p>
             <a:pPr lvl="3"/>
             <a:r>
-              <a:rPr lang="zh-CN" altLang="en-US" smtClean="0"/>
+              <a:rPr lang="zh-CN" altLang="en-US"/>
               <a:t>第四级</a:t>
             </a:r>
           </a:p>
           <a:p>
             <a:pPr lvl="4"/>
             <a:r>
-              <a:rPr lang="zh-CN" altLang="en-US" smtClean="0"/>
+              <a:rPr lang="zh-CN" altLang="en-US"/>
               <a:t>第五级</a:t>
             </a:r>
-            <a:endParaRPr lang="zh-CN" altLang="en-US"/>
           </a:p>
         </p:txBody>
       </p:sp>
@@ -1190,38 +1179,37 @@
           <a:p>
             <a:pPr lvl="0"/>
             <a:r>
-              <a:rPr lang="zh-CN" altLang="en-US" smtClean="0"/>
+              <a:rPr lang="zh-CN" altLang="en-US"/>
               <a:t>单击此处编辑母版文本样式</a:t>
             </a:r>
           </a:p>
           <a:p>
             <a:pPr lvl="1"/>
             <a:r>
-              <a:rPr lang="zh-CN" altLang="en-US" smtClean="0"/>
+              <a:rPr lang="zh-CN" altLang="en-US"/>
               <a:t>第二级</a:t>
             </a:r>
           </a:p>
           <a:p>
             <a:pPr lvl="2"/>
             <a:r>
-              <a:rPr lang="zh-CN" altLang="en-US" smtClean="0"/>
+              <a:rPr lang="zh-CN" altLang="en-US"/>
               <a:t>第三级</a:t>
             </a:r>
           </a:p>
           <a:p>
             <a:pPr lvl="3"/>
             <a:r>
-              <a:rPr lang="zh-CN" altLang="en-US" smtClean="0"/>
+              <a:rPr lang="zh-CN" altLang="en-US"/>
               <a:t>第四级</a:t>
             </a:r>
           </a:p>
           <a:p>
             <a:pPr lvl="4"/>
             <a:r>
-              <a:rPr lang="zh-CN" altLang="en-US" smtClean="0"/>
+              <a:rPr lang="zh-CN" altLang="en-US"/>
               <a:t>第五级</a:t>
             </a:r>
-            <a:endParaRPr lang="zh-CN" altLang="en-US"/>
           </a:p>
         </p:txBody>
       </p:sp>
@@ -1341,10 +1329,9 @@
           <a:lstStyle/>
           <a:p>
             <a:r>
-              <a:rPr lang="zh-CN" altLang="en-US" smtClean="0"/>
+              <a:rPr lang="zh-CN" altLang="en-US"/>
               <a:t>单击此处编辑母版标题样式</a:t>
             </a:r>
-            <a:endParaRPr lang="zh-CN" altLang="en-US"/>
           </a:p>
         </p:txBody>
       </p:sp>
@@ -1407,7 +1394,7 @@
           <a:p>
             <a:pPr lvl="0"/>
             <a:r>
-              <a:rPr lang="zh-CN" altLang="en-US" smtClean="0"/>
+              <a:rPr lang="zh-CN" altLang="en-US"/>
               <a:t>单击此处编辑母版文本样式</a:t>
             </a:r>
           </a:p>
@@ -1435,38 +1422,37 @@
           <a:p>
             <a:pPr lvl="0"/>
             <a:r>
-              <a:rPr lang="zh-CN" altLang="en-US" smtClean="0"/>
+              <a:rPr lang="zh-CN" altLang="en-US"/>
               <a:t>单击此处编辑母版文本样式</a:t>
             </a:r>
           </a:p>
           <a:p>
             <a:pPr lvl="1"/>
             <a:r>
-              <a:rPr lang="zh-CN" altLang="en-US" smtClean="0"/>
+              <a:rPr lang="zh-CN" altLang="en-US"/>
               <a:t>第二级</a:t>
             </a:r>
           </a:p>
           <a:p>
             <a:pPr lvl="2"/>
             <a:r>
-              <a:rPr lang="zh-CN" altLang="en-US" smtClean="0"/>
+              <a:rPr lang="zh-CN" altLang="en-US"/>
               <a:t>第三级</a:t>
             </a:r>
           </a:p>
           <a:p>
             <a:pPr lvl="3"/>
             <a:r>
-              <a:rPr lang="zh-CN" altLang="en-US" smtClean="0"/>
+              <a:rPr lang="zh-CN" altLang="en-US"/>
               <a:t>第四级</a:t>
             </a:r>
           </a:p>
           <a:p>
             <a:pPr lvl="4"/>
             <a:r>
-              <a:rPr lang="zh-CN" altLang="en-US" smtClean="0"/>
+              <a:rPr lang="zh-CN" altLang="en-US"/>
               <a:t>第五级</a:t>
             </a:r>
-            <a:endParaRPr lang="zh-CN" altLang="en-US"/>
           </a:p>
         </p:txBody>
       </p:sp>
@@ -1529,7 +1515,7 @@
           <a:p>
             <a:pPr lvl="0"/>
             <a:r>
-              <a:rPr lang="zh-CN" altLang="en-US" smtClean="0"/>
+              <a:rPr lang="zh-CN" altLang="en-US"/>
               <a:t>单击此处编辑母版文本样式</a:t>
             </a:r>
           </a:p>
@@ -1557,38 +1543,37 @@
           <a:p>
             <a:pPr lvl="0"/>
             <a:r>
-              <a:rPr lang="zh-CN" altLang="en-US" smtClean="0"/>
+              <a:rPr lang="zh-CN" altLang="en-US"/>
               <a:t>单击此处编辑母版文本样式</a:t>
             </a:r>
           </a:p>
           <a:p>
             <a:pPr lvl="1"/>
             <a:r>
-              <a:rPr lang="zh-CN" altLang="en-US" smtClean="0"/>
+              <a:rPr lang="zh-CN" altLang="en-US"/>
               <a:t>第二级</a:t>
             </a:r>
           </a:p>
           <a:p>
             <a:pPr lvl="2"/>
             <a:r>
-              <a:rPr lang="zh-CN" altLang="en-US" smtClean="0"/>
+              <a:rPr lang="zh-CN" altLang="en-US"/>
               <a:t>第三级</a:t>
             </a:r>
           </a:p>
           <a:p>
             <a:pPr lvl="3"/>
             <a:r>
-              <a:rPr lang="zh-CN" altLang="en-US" smtClean="0"/>
+              <a:rPr lang="zh-CN" altLang="en-US"/>
               <a:t>第四级</a:t>
             </a:r>
           </a:p>
           <a:p>
             <a:pPr lvl="4"/>
             <a:r>
-              <a:rPr lang="zh-CN" altLang="en-US" smtClean="0"/>
+              <a:rPr lang="zh-CN" altLang="en-US"/>
               <a:t>第五级</a:t>
             </a:r>
-            <a:endParaRPr lang="zh-CN" altLang="en-US"/>
           </a:p>
         </p:txBody>
       </p:sp>
@@ -1703,10 +1688,9 @@
           <a:lstStyle/>
           <a:p>
             <a:r>
-              <a:rPr lang="zh-CN" altLang="en-US" smtClean="0"/>
+              <a:rPr lang="zh-CN" altLang="en-US"/>
               <a:t>单击此处编辑母版标题样式</a:t>
             </a:r>
-            <a:endParaRPr lang="zh-CN" altLang="en-US"/>
           </a:p>
         </p:txBody>
       </p:sp>
@@ -1925,10 +1909,9 @@
           </a:lstStyle>
           <a:p>
             <a:r>
-              <a:rPr lang="zh-CN" altLang="en-US" smtClean="0"/>
+              <a:rPr lang="zh-CN" altLang="en-US"/>
               <a:t>单击此处编辑母版标题样式</a:t>
             </a:r>
-            <a:endParaRPr lang="zh-CN" altLang="en-US"/>
           </a:p>
         </p:txBody>
       </p:sp>
@@ -1982,38 +1965,37 @@
           <a:p>
             <a:pPr lvl="0"/>
             <a:r>
-              <a:rPr lang="zh-CN" altLang="en-US" smtClean="0"/>
+              <a:rPr lang="zh-CN" altLang="en-US"/>
               <a:t>单击此处编辑母版文本样式</a:t>
             </a:r>
           </a:p>
           <a:p>
             <a:pPr lvl="1"/>
             <a:r>
-              <a:rPr lang="zh-CN" altLang="en-US" smtClean="0"/>
+              <a:rPr lang="zh-CN" altLang="en-US"/>
               <a:t>第二级</a:t>
             </a:r>
           </a:p>
           <a:p>
             <a:pPr lvl="2"/>
             <a:r>
-              <a:rPr lang="zh-CN" altLang="en-US" smtClean="0"/>
+              <a:rPr lang="zh-CN" altLang="en-US"/>
               <a:t>第三级</a:t>
             </a:r>
           </a:p>
           <a:p>
             <a:pPr lvl="3"/>
             <a:r>
-              <a:rPr lang="zh-CN" altLang="en-US" smtClean="0"/>
+              <a:rPr lang="zh-CN" altLang="en-US"/>
               <a:t>第四级</a:t>
             </a:r>
           </a:p>
           <a:p>
             <a:pPr lvl="4"/>
             <a:r>
-              <a:rPr lang="zh-CN" altLang="en-US" smtClean="0"/>
+              <a:rPr lang="zh-CN" altLang="en-US"/>
               <a:t>第五级</a:t>
             </a:r>
-            <a:endParaRPr lang="zh-CN" altLang="en-US"/>
           </a:p>
         </p:txBody>
       </p:sp>
@@ -2076,7 +2058,7 @@
           <a:p>
             <a:pPr lvl="0"/>
             <a:r>
-              <a:rPr lang="zh-CN" altLang="en-US" smtClean="0"/>
+              <a:rPr lang="zh-CN" altLang="en-US"/>
               <a:t>单击此处编辑母版文本样式</a:t>
             </a:r>
           </a:p>
@@ -2202,10 +2184,9 @@
           </a:lstStyle>
           <a:p>
             <a:r>
-              <a:rPr lang="zh-CN" altLang="en-US" smtClean="0"/>
+              <a:rPr lang="zh-CN" altLang="en-US"/>
               <a:t>单击此处编辑母版标题样式</a:t>
             </a:r>
-            <a:endParaRPr lang="zh-CN" altLang="en-US"/>
           </a:p>
         </p:txBody>
       </p:sp>
@@ -2329,7 +2310,7 @@
           <a:p>
             <a:pPr lvl="0"/>
             <a:r>
-              <a:rPr lang="zh-CN" altLang="en-US" smtClean="0"/>
+              <a:rPr lang="zh-CN" altLang="en-US"/>
               <a:t>单击此处编辑母版文本样式</a:t>
             </a:r>
           </a:p>
@@ -2461,10 +2442,9 @@
           <a:lstStyle/>
           <a:p>
             <a:r>
-              <a:rPr lang="zh-CN" altLang="en-US" smtClean="0"/>
+              <a:rPr lang="zh-CN" altLang="en-US"/>
               <a:t>单击此处编辑母版标题样式</a:t>
             </a:r>
-            <a:endParaRPr lang="zh-CN" altLang="en-US"/>
           </a:p>
         </p:txBody>
       </p:sp>
@@ -2495,38 +2475,37 @@
           <a:p>
             <a:pPr lvl="0"/>
             <a:r>
-              <a:rPr lang="zh-CN" altLang="en-US" smtClean="0"/>
+              <a:rPr lang="zh-CN" altLang="en-US"/>
               <a:t>单击此处编辑母版文本样式</a:t>
             </a:r>
           </a:p>
           <a:p>
             <a:pPr lvl="1"/>
             <a:r>
-              <a:rPr lang="zh-CN" altLang="en-US" smtClean="0"/>
+              <a:rPr lang="zh-CN" altLang="en-US"/>
               <a:t>第二级</a:t>
             </a:r>
           </a:p>
           <a:p>
             <a:pPr lvl="2"/>
             <a:r>
-              <a:rPr lang="zh-CN" altLang="en-US" smtClean="0"/>
+              <a:rPr lang="zh-CN" altLang="en-US"/>
               <a:t>第三级</a:t>
             </a:r>
           </a:p>
           <a:p>
             <a:pPr lvl="3"/>
             <a:r>
-              <a:rPr lang="zh-CN" altLang="en-US" smtClean="0"/>
+              <a:rPr lang="zh-CN" altLang="en-US"/>
               <a:t>第四级</a:t>
             </a:r>
           </a:p>
           <a:p>
             <a:pPr lvl="4"/>
             <a:r>
-              <a:rPr lang="zh-CN" altLang="en-US" smtClean="0"/>
+              <a:rPr lang="zh-CN" altLang="en-US"/>
               <a:t>第五级</a:t>
             </a:r>
-            <a:endParaRPr lang="zh-CN" altLang="en-US"/>
           </a:p>
         </p:txBody>
       </p:sp>
@@ -3054,10 +3033,9 @@
           <a:lstStyle/>
           <a:p>
             <a:r>
-              <a:rPr lang="zh-CN" altLang="en-US" dirty="0" smtClean="0"/>
+              <a:rPr lang="zh-CN" altLang="en-US" dirty="0"/>
               <a:t>思路</a:t>
             </a:r>
-            <a:endParaRPr lang="zh-CN" altLang="en-US" dirty="0"/>
           </a:p>
         </p:txBody>
       </p:sp>
@@ -3077,124 +3055,120 @@
           <a:lstStyle/>
           <a:p>
             <a:r>
-              <a:rPr lang="en-US" altLang="zh-CN" dirty="0" err="1" smtClean="0"/>
+              <a:rPr lang="en-US" altLang="zh-CN" dirty="0" err="1"/>
               <a:t>sumA</a:t>
             </a:r>
             <a:r>
-              <a:rPr lang="en-US" altLang="zh-CN" dirty="0" smtClean="0"/>
+              <a:rPr lang="en-US" altLang="zh-CN" dirty="0"/>
               <a:t> + </a:t>
             </a:r>
             <a:r>
-              <a:rPr lang="en-US" altLang="zh-CN" dirty="0" err="1" smtClean="0"/>
+              <a:rPr lang="en-US" altLang="zh-CN" dirty="0" err="1"/>
               <a:t>sumB</a:t>
             </a:r>
             <a:r>
-              <a:rPr lang="en-US" altLang="zh-CN" dirty="0" smtClean="0"/>
+              <a:rPr lang="en-US" altLang="zh-CN" dirty="0"/>
               <a:t> = sum</a:t>
             </a:r>
             <a:r>
-              <a:rPr lang="zh-CN" altLang="en-US" dirty="0" smtClean="0"/>
+              <a:rPr lang="zh-CN" altLang="en-US" dirty="0"/>
               <a:t>，</a:t>
             </a:r>
             <a:r>
-              <a:rPr lang="en-US" altLang="zh-CN" dirty="0" err="1" smtClean="0"/>
+              <a:rPr lang="en-US" altLang="zh-CN" dirty="0" err="1"/>
               <a:t>sumA-sumB</a:t>
             </a:r>
             <a:r>
-              <a:rPr lang="en-US" altLang="zh-CN" dirty="0" smtClean="0"/>
+              <a:rPr lang="en-US" altLang="zh-CN" dirty="0"/>
               <a:t> = target</a:t>
             </a:r>
           </a:p>
           <a:p>
             <a:r>
-              <a:rPr lang="en-US" altLang="zh-CN" dirty="0" err="1" smtClean="0"/>
+              <a:rPr lang="en-US" altLang="zh-CN" dirty="0" err="1"/>
               <a:t>sumA</a:t>
             </a:r>
             <a:r>
-              <a:rPr lang="en-US" altLang="zh-CN" dirty="0" smtClean="0"/>
+              <a:rPr lang="en-US" altLang="zh-CN" dirty="0"/>
               <a:t> = (sum + target) / 2;</a:t>
             </a:r>
           </a:p>
           <a:p>
             <a:r>
-              <a:rPr lang="zh-CN" altLang="en-US" dirty="0" smtClean="0"/>
+              <a:rPr lang="zh-CN" altLang="en-US" dirty="0"/>
               <a:t>状态：数字，加和</a:t>
             </a:r>
-            <a:endParaRPr lang="en-US" altLang="zh-CN" dirty="0" smtClean="0"/>
-          </a:p>
-          <a:p>
-            <a:r>
-              <a:rPr lang="zh-CN" altLang="en-US" dirty="0" smtClean="0"/>
+            <a:endParaRPr lang="en-US" altLang="zh-CN" dirty="0"/>
+          </a:p>
+          <a:p>
+            <a:r>
+              <a:rPr lang="zh-CN" altLang="en-US" dirty="0"/>
               <a:t>选择：放还是不放</a:t>
             </a:r>
-            <a:endParaRPr lang="en-US" altLang="zh-CN" dirty="0" smtClean="0"/>
-          </a:p>
-          <a:p>
-            <a:r>
-              <a:rPr lang="zh-CN" altLang="en-US" dirty="0" smtClean="0"/>
+            <a:endParaRPr lang="en-US" altLang="zh-CN" dirty="0"/>
+          </a:p>
+          <a:p>
+            <a:r>
+              <a:rPr lang="zh-CN" altLang="en-US" dirty="0"/>
               <a:t>定义：</a:t>
             </a:r>
             <a:r>
-              <a:rPr lang="en-US" altLang="zh-CN" dirty="0" err="1" smtClean="0"/>
+              <a:rPr lang="en-US" altLang="zh-CN" dirty="0" err="1"/>
               <a:t>dp</a:t>
             </a:r>
             <a:r>
-              <a:rPr lang="en-US" altLang="zh-CN" dirty="0" smtClean="0"/>
+              <a:rPr lang="en-US" altLang="zh-CN" dirty="0"/>
               <a:t>[</a:t>
             </a:r>
             <a:r>
-              <a:rPr lang="en-US" altLang="zh-CN" dirty="0" err="1" smtClean="0"/>
+              <a:rPr lang="en-US" altLang="zh-CN" dirty="0" err="1"/>
               <a:t>i</a:t>
             </a:r>
             <a:r>
-              <a:rPr lang="en-US" altLang="zh-CN" dirty="0" smtClean="0"/>
+              <a:rPr lang="en-US" altLang="zh-CN" dirty="0"/>
               <a:t>][j]</a:t>
             </a:r>
             <a:r>
-              <a:rPr lang="zh-CN" altLang="en-US" dirty="0" smtClean="0"/>
-              <a:t>返回</a:t>
-            </a:r>
-            <a:r>
-              <a:rPr lang="en-US" altLang="zh-CN" dirty="0" err="1" smtClean="0"/>
-              <a:t>bool</a:t>
-            </a:r>
-            <a:endParaRPr lang="en-US" altLang="zh-CN" dirty="0" smtClean="0"/>
-          </a:p>
-          <a:p>
-            <a:r>
-              <a:rPr lang="zh-CN" altLang="en-US" dirty="0" smtClean="0"/>
+              <a:rPr lang="zh-CN" altLang="en-US"/>
+              <a:t>返回方法个数</a:t>
+            </a:r>
+            <a:endParaRPr lang="en-US" altLang="zh-CN" dirty="0"/>
+          </a:p>
+          <a:p>
+            <a:r>
+              <a:rPr lang="zh-CN" altLang="en-US" dirty="0"/>
               <a:t>方程：或</a:t>
             </a:r>
-            <a:endParaRPr lang="en-US" altLang="zh-CN" dirty="0" smtClean="0"/>
-          </a:p>
-          <a:p>
-            <a:r>
-              <a:rPr lang="en-US" altLang="zh-CN" dirty="0" smtClean="0"/>
+            <a:endParaRPr lang="en-US" altLang="zh-CN" dirty="0"/>
+          </a:p>
+          <a:p>
+            <a:r>
+              <a:rPr lang="en-US" altLang="zh-CN" dirty="0"/>
               <a:t>Base case </a:t>
             </a:r>
             <a:r>
-              <a:rPr lang="en-US" altLang="zh-CN" dirty="0" err="1" smtClean="0"/>
+              <a:rPr lang="en-US" altLang="zh-CN" dirty="0" err="1"/>
               <a:t>dp</a:t>
             </a:r>
             <a:r>
-              <a:rPr lang="en-US" altLang="zh-CN" dirty="0" smtClean="0"/>
+              <a:rPr lang="en-US" altLang="zh-CN" dirty="0"/>
               <a:t>[</a:t>
             </a:r>
             <a:r>
-              <a:rPr lang="en-US" altLang="zh-CN" dirty="0" err="1" smtClean="0"/>
+              <a:rPr lang="en-US" altLang="zh-CN" dirty="0" err="1"/>
               <a:t>i</a:t>
             </a:r>
             <a:r>
-              <a:rPr lang="en-US" altLang="zh-CN" dirty="0" smtClean="0"/>
+              <a:rPr lang="en-US" altLang="zh-CN" dirty="0"/>
               <a:t>][0]  = true</a:t>
             </a:r>
           </a:p>
           <a:p>
             <a:r>
-              <a:rPr lang="zh-CN" altLang="en-US" dirty="0" smtClean="0"/>
+              <a:rPr lang="zh-CN" altLang="en-US" dirty="0"/>
               <a:t>空间压缩：逆向遍历</a:t>
             </a:r>
-            <a:endParaRPr lang="en-US" altLang="zh-CN" dirty="0" smtClean="0"/>
+            <a:endParaRPr lang="en-US" altLang="zh-CN" dirty="0"/>
           </a:p>
         </p:txBody>
       </p:sp>
